--- a/Version 2 - SB 5yr forecast viz -writup.pptx
+++ b/Version 2 - SB 5yr forecast viz -writup.pptx
@@ -5448,6 +5448,76 @@
           </a:p>
         </p:txBody>
       </p:sp>
+      <p:sp>
+        <p:nvSpPr>
+          <p:cNvPr id="55" name="TextBox 54">
+            <a:extLst>
+              <a:ext uri="{FF2B5EF4-FFF2-40B4-BE49-F238E27FC236}">
+                <a16:creationId xmlns:a16="http://schemas.microsoft.com/office/drawing/2014/main" id="{8414053B-2618-E94C-842D-2B72DB535C2A}"/>
+              </a:ext>
+            </a:extLst>
+          </p:cNvPr>
+          <p:cNvSpPr txBox="1"/>
+          <p:nvPr/>
+        </p:nvSpPr>
+        <p:spPr>
+          <a:xfrm>
+            <a:off x="1066220" y="2522692"/>
+            <a:ext cx="405880" cy="230832"/>
+          </a:xfrm>
+          <a:prstGeom prst="rect">
+            <a:avLst/>
+          </a:prstGeom>
+          <a:noFill/>
+        </p:spPr>
+        <p:txBody>
+          <a:bodyPr wrap="none" rtlCol="0">
+            <a:spAutoFit/>
+          </a:bodyPr>
+          <a:lstStyle/>
+          <a:p>
+            <a:r>
+              <a:rPr lang="en-US" sz="900" dirty="0"/>
+              <a:t>Fig.1</a:t>
+            </a:r>
+          </a:p>
+        </p:txBody>
+      </p:sp>
+      <p:sp>
+        <p:nvSpPr>
+          <p:cNvPr id="56" name="TextBox 55">
+            <a:extLst>
+              <a:ext uri="{FF2B5EF4-FFF2-40B4-BE49-F238E27FC236}">
+                <a16:creationId xmlns:a16="http://schemas.microsoft.com/office/drawing/2014/main" id="{562614B1-8734-F746-8EA9-53AE2A58510F}"/>
+              </a:ext>
+            </a:extLst>
+          </p:cNvPr>
+          <p:cNvSpPr txBox="1"/>
+          <p:nvPr/>
+        </p:nvSpPr>
+        <p:spPr>
+          <a:xfrm>
+            <a:off x="1077148" y="6525527"/>
+            <a:ext cx="405880" cy="230832"/>
+          </a:xfrm>
+          <a:prstGeom prst="rect">
+            <a:avLst/>
+          </a:prstGeom>
+          <a:noFill/>
+        </p:spPr>
+        <p:txBody>
+          <a:bodyPr wrap="none" rtlCol="0">
+            <a:spAutoFit/>
+          </a:bodyPr>
+          <a:lstStyle/>
+          <a:p>
+            <a:r>
+              <a:rPr lang="en-US" sz="900" dirty="0"/>
+              <a:t>Fig.2</a:t>
+            </a:r>
+          </a:p>
+        </p:txBody>
+      </p:sp>
     </p:spTree>
     <p:extLst>
       <p:ext uri="{BB962C8B-B14F-4D97-AF65-F5344CB8AC3E}">
@@ -5493,7 +5563,7 @@
         <p:spPr>
           <a:xfrm>
             <a:off x="990605" y="1122274"/>
-            <a:ext cx="5383969" cy="5355312"/>
+            <a:ext cx="5383969" cy="5339923"/>
           </a:xfrm>
           <a:prstGeom prst="rect">
             <a:avLst/>
@@ -5534,7 +5604,7 @@
           <a:p>
             <a:r>
               <a:rPr lang="en-US" sz="1100" dirty="0"/>
-              <a:t>With a return to normal tourism activity as the state of the COVID-19 pandemic improves, Transient Occupancy Tax revenue is expected to rebound significantly. This rebound is expected in the first fiscal year of the forecast, with an estimated increase of around 30% in FY 2021-2022, followed by modest growth in the following years. This growth is expected to return TOT to its place as the second largest source of discretionary revenue by FY 2021-2022. </a:t>
+              <a:t>As the state of the COVID-19 pandemic improves, Transient Occupancy Tax (TOT) revenue is expected to rebound significantly as tourism returns to (or approaches) pre-pandemic levels.  This rebound is expected in the first fiscal year of the forecast, with an estimated increase of around 30% in FY 2021-2022, followed by modest growth in the following years. This growth is expected to return TOT to its place as the second largest source of discretionary revenue by FY 2021- 2022.</a:t>
             </a:r>
           </a:p>
           <a:p>
@@ -5580,15 +5650,7 @@
           <a:p>
             <a:r>
               <a:rPr lang="en-US" sz="1100" dirty="0"/>
-              <a:t>For the current forecast, all other revenue (Other Revenue) is projected based on the assumption of Property Tax revenue continuing to constitute 76% of total discretionary revenue. This allows for an average annual growth rate of 3.1% for Other Revenue. These projections, as well as those for total discretionary revenue and the financial position should be viewed as less precise estimates than those for primary revenue sources</a:t>
-            </a:r>
-            <a:r>
-              <a:rPr lang="en-US" sz="1200" dirty="0"/>
-              <a:t>, </a:t>
-            </a:r>
-            <a:r>
-              <a:rPr lang="en-US" sz="1100" dirty="0"/>
-              <a:t>as they are based on this assumption rather than more rigorous economic analysis. However, this uncertainty is only in the precise magnitude of these projections and does not impact the conclusions of this report. </a:t>
+              <a:t>For the current forecast, all other revenue (Other Revenue) is projected based on the assumption of Property Tax revenue continuing to constitute 76% of total discretionary revenue. This allows for an average annual growth rate of 3.1% for Other Revenue. These projections, as well as those for total discretionary revenue and the financial position should be viewed as less precise estimates than those for primary revenue sources, as they are based on this assumption rather than more rigorous economic analysis. However, this uncertainty is only in the precise magnitude of these projections and does not impact the conclusions of this report. </a:t>
             </a:r>
           </a:p>
           <a:p>
@@ -5702,7 +5764,7 @@
           <a:p>
             <a:r>
               <a:rPr lang="en-US" sz="1100" dirty="0"/>
-              <a:t>Growth in Expenditures is expected to outpace growth in the three primary discretionary revenue sources by FY 2023-2024. Therefore, without the revenue from other sources, the General Fund would be projected to run an increasing annual deficit, from around $900,000 in FY 2023-2024 to $5.4m in FY 2025-2026. </a:t>
+              <a:t>Growth in Expenditures is expected to outpace growth in the three primary discretionary revenue sources by FY 2023-2024. Therefore, without the revenue from other sources, the General Fund would be projected to run an increasing annual deficit, from FY 2023-2024 on (See Fig.4). </a:t>
             </a:r>
           </a:p>
           <a:p>
@@ -6144,7 +6206,7 @@
         </p:nvSpPr>
         <p:spPr>
           <a:xfrm>
-            <a:off x="989607" y="5936822"/>
+            <a:off x="989607" y="5982540"/>
             <a:ext cx="5399934" cy="2800767"/>
           </a:xfrm>
           <a:prstGeom prst="rect">
@@ -6210,7 +6272,7 @@
             </a:pPr>
             <a:r>
               <a:rPr lang="en-US" sz="1100" dirty="0"/>
-              <a:t>Stable and significant annual surpluses are projected to continue for the next five years. However, with high and stable growth in expenditures, these surpluses rely increasingly on revenue from sources other than Property Tax, Sales Tax and TOT. </a:t>
+              <a:t>Stable and significant annual surpluses are projected to continue for the next five years. However, with high and stable growth in expenditures, these surpluses rely increasingly on revenue from sources other than Property Tax, Sales Tax, and TOT. </a:t>
             </a:r>
           </a:p>
           <a:p>
@@ -6633,8 +6695,8 @@
         </p:nvSpPr>
         <p:spPr>
           <a:xfrm>
-            <a:off x="4122603" y="1938897"/>
-            <a:ext cx="2352037" cy="577081"/>
+            <a:off x="3925389" y="2226274"/>
+            <a:ext cx="2831014" cy="253916"/>
           </a:xfrm>
           <a:prstGeom prst="rect">
             <a:avLst/>
@@ -6650,14 +6712,7 @@
             <a:pPr algn="ctr"/>
             <a:r>
               <a:rPr lang="en-US" sz="1050" b="1" dirty="0"/>
-              <a:t>Hypothetical Financial Position if Discretionary Revenue from </a:t>
-            </a:r>
-          </a:p>
-          <a:p>
-            <a:pPr algn="ctr"/>
-            <a:r>
-              <a:rPr lang="en-US" sz="1050" b="1" dirty="0"/>
-              <a:t>Top Three Sources Only </a:t>
+              <a:t>Expenditure against Primary Revenue Sources</a:t>
             </a:r>
           </a:p>
         </p:txBody>
@@ -6833,6 +6888,76 @@
             <a:r>
               <a:rPr lang="en-US" sz="550" dirty="0"/>
               <a:t>($5.44)M</a:t>
+            </a:r>
+          </a:p>
+        </p:txBody>
+      </p:sp>
+      <p:sp>
+        <p:nvSpPr>
+          <p:cNvPr id="24" name="TextBox 23">
+            <a:extLst>
+              <a:ext uri="{FF2B5EF4-FFF2-40B4-BE49-F238E27FC236}">
+                <a16:creationId xmlns:a16="http://schemas.microsoft.com/office/drawing/2014/main" id="{5EB46429-A79D-9340-83A8-5F12437FD2FE}"/>
+              </a:ext>
+            </a:extLst>
+          </p:cNvPr>
+          <p:cNvSpPr txBox="1"/>
+          <p:nvPr/>
+        </p:nvSpPr>
+        <p:spPr>
+          <a:xfrm>
+            <a:off x="862382" y="1733034"/>
+            <a:ext cx="405880" cy="230832"/>
+          </a:xfrm>
+          <a:prstGeom prst="rect">
+            <a:avLst/>
+          </a:prstGeom>
+          <a:noFill/>
+        </p:spPr>
+        <p:txBody>
+          <a:bodyPr wrap="none" rtlCol="0">
+            <a:spAutoFit/>
+          </a:bodyPr>
+          <a:lstStyle/>
+          <a:p>
+            <a:r>
+              <a:rPr lang="en-US" sz="900" dirty="0"/>
+              <a:t>Fig.3</a:t>
+            </a:r>
+          </a:p>
+        </p:txBody>
+      </p:sp>
+      <p:sp>
+        <p:nvSpPr>
+          <p:cNvPr id="43" name="TextBox 42">
+            <a:extLst>
+              <a:ext uri="{FF2B5EF4-FFF2-40B4-BE49-F238E27FC236}">
+                <a16:creationId xmlns:a16="http://schemas.microsoft.com/office/drawing/2014/main" id="{CA5316AF-5F26-2A40-9545-7132CA3C8240}"/>
+              </a:ext>
+            </a:extLst>
+          </p:cNvPr>
+          <p:cNvSpPr txBox="1"/>
+          <p:nvPr/>
+        </p:nvSpPr>
+        <p:spPr>
+          <a:xfrm>
+            <a:off x="3924546" y="1715584"/>
+            <a:ext cx="405880" cy="230832"/>
+          </a:xfrm>
+          <a:prstGeom prst="rect">
+            <a:avLst/>
+          </a:prstGeom>
+          <a:noFill/>
+        </p:spPr>
+        <p:txBody>
+          <a:bodyPr wrap="none" rtlCol="0">
+            <a:spAutoFit/>
+          </a:bodyPr>
+          <a:lstStyle/>
+          <a:p>
+            <a:r>
+              <a:rPr lang="en-US" sz="900" dirty="0"/>
+              <a:t>Fig.4</a:t>
             </a:r>
           </a:p>
         </p:txBody>

--- a/Version 2 - SB 5yr forecast viz -writup.pptx
+++ b/Version 2 - SB 5yr forecast viz -writup.pptx
@@ -4463,7 +4463,7 @@
         </p:blipFill>
         <p:spPr>
           <a:xfrm>
-            <a:off x="1411761" y="6405528"/>
+            <a:off x="1366044" y="6405528"/>
             <a:ext cx="4558937" cy="3419203"/>
           </a:xfrm>
           <a:prstGeom prst="rect">
@@ -4485,7 +4485,7 @@
         </p:nvSpPr>
         <p:spPr>
           <a:xfrm>
-            <a:off x="2253470" y="6672710"/>
+            <a:off x="2207753" y="6672710"/>
             <a:ext cx="3291840" cy="195943"/>
           </a:xfrm>
           <a:prstGeom prst="rect">
@@ -4539,7 +4539,7 @@
         </p:nvSpPr>
         <p:spPr>
           <a:xfrm>
-            <a:off x="2798855" y="6450108"/>
+            <a:off x="2753138" y="6450108"/>
             <a:ext cx="1912106" cy="577081"/>
           </a:xfrm>
           <a:prstGeom prst="rect">
@@ -4589,7 +4589,7 @@
         </p:nvSpPr>
         <p:spPr>
           <a:xfrm>
-            <a:off x="2993411" y="8502508"/>
+            <a:off x="2947694" y="8502508"/>
             <a:ext cx="487304" cy="258532"/>
           </a:xfrm>
           <a:prstGeom prst="rect">
@@ -4624,7 +4624,7 @@
         </p:nvSpPr>
         <p:spPr>
           <a:xfrm>
-            <a:off x="1929050" y="8502509"/>
+            <a:off x="1883333" y="8502509"/>
             <a:ext cx="1141967" cy="258532"/>
           </a:xfrm>
           <a:prstGeom prst="rect">
@@ -4659,7 +4659,7 @@
         </p:nvSpPr>
         <p:spPr>
           <a:xfrm>
-            <a:off x="3980962" y="7410141"/>
+            <a:off x="3935245" y="7410141"/>
             <a:ext cx="490769" cy="258532"/>
           </a:xfrm>
           <a:prstGeom prst="rect">
@@ -4694,7 +4694,7 @@
         </p:nvSpPr>
         <p:spPr>
           <a:xfrm>
-            <a:off x="4417871" y="7155889"/>
+            <a:off x="4365623" y="7155889"/>
             <a:ext cx="674789" cy="258532"/>
           </a:xfrm>
           <a:prstGeom prst="rect">
@@ -4729,7 +4729,7 @@
         </p:nvSpPr>
         <p:spPr>
           <a:xfrm>
-            <a:off x="4402881" y="7650254"/>
+            <a:off x="4357164" y="7650254"/>
             <a:ext cx="457949" cy="258532"/>
           </a:xfrm>
           <a:prstGeom prst="rect">
@@ -4764,7 +4764,7 @@
         </p:nvSpPr>
         <p:spPr>
           <a:xfrm>
-            <a:off x="4471732" y="7858805"/>
+            <a:off x="4426015" y="7858805"/>
             <a:ext cx="491338" cy="258532"/>
           </a:xfrm>
           <a:prstGeom prst="rect">
@@ -4799,7 +4799,7 @@
         </p:nvSpPr>
         <p:spPr>
           <a:xfrm>
-            <a:off x="4802784" y="7536991"/>
+            <a:off x="4717881" y="7536991"/>
             <a:ext cx="847123" cy="258532"/>
           </a:xfrm>
           <a:prstGeom prst="rect">
@@ -4834,7 +4834,7 @@
         </p:nvSpPr>
         <p:spPr>
           <a:xfrm>
-            <a:off x="4702494" y="7842709"/>
+            <a:off x="4597998" y="7842709"/>
             <a:ext cx="1200468" cy="424732"/>
           </a:xfrm>
           <a:prstGeom prst="rect">
@@ -5604,7 +5604,7 @@
           <a:p>
             <a:r>
               <a:rPr lang="en-US" sz="1100" dirty="0"/>
-              <a:t>As the state of the COVID-19 pandemic improves, Transient Occupancy Tax (TOT) revenue is expected to rebound significantly as tourism returns to (or approaches) pre-pandemic levels.  This rebound is expected in the first fiscal year of the forecast, with an estimated increase of around 30% in FY 2021-2022, followed by modest growth in the following years. This growth is expected to return TOT to its place as the second largest source of discretionary revenue by FY 2021- 2022.</a:t>
+              <a:t>As the state of the COVID-19 pandemic improves, Transient Occupancy Tax (TOT) revenue is expected to rebound significantly as tourism returns to (or approaches) pre-pandemic levels. This rebound is expected in the first fiscal year of the forecast, with an estimated increase of around 30% in FY 2021-2022, followed by modest growth in the following years. This growth is expected to return TOT to its place as the second largest source of discretionary revenue by FY 2021-2022.</a:t>
             </a:r>
           </a:p>
           <a:p>
@@ -5650,7 +5650,7 @@
           <a:p>
             <a:r>
               <a:rPr lang="en-US" sz="1100" dirty="0"/>
-              <a:t>For the current forecast, all other revenue (Other Revenue) is projected based on the assumption of Property Tax revenue continuing to constitute 76% of total discretionary revenue. This allows for an average annual growth rate of 3.1% for Other Revenue. These projections, as well as those for total discretionary revenue and the financial position should be viewed as less precise estimates than those for primary revenue sources, as they are based on this assumption rather than more rigorous economic analysis. However, this uncertainty is only in the precise magnitude of these projections and does not impact the conclusions of this report. </a:t>
+              <a:t>For the current forecast, all other revenue (Other Revenue) is projected based on the assumption of Property Tax revenue continuing to constitute 76% of total discretionary revenue. This allows for an average annual growth rate of 3.1% for Other Revenue. These projections should be viewed as less precise estimates than those for primary revenue sources, as they are based on this assumption rather than more rigorous economic analysis. However, this uncertainty is only in the precise magnitude of these projections and does not impact the conclusions of this report. </a:t>
             </a:r>
           </a:p>
           <a:p>
@@ -5684,7 +5684,7 @@
         </p:nvSpPr>
         <p:spPr>
           <a:xfrm>
-            <a:off x="990606" y="6213732"/>
+            <a:off x="990606" y="6089638"/>
             <a:ext cx="5383968" cy="784830"/>
           </a:xfrm>
           <a:prstGeom prst="rect">
@@ -5901,8 +5901,8 @@
         </p:blipFill>
         <p:spPr>
           <a:xfrm>
-            <a:off x="558797" y="2459688"/>
-            <a:ext cx="3295461" cy="2471595"/>
+            <a:off x="1580560" y="983912"/>
+            <a:ext cx="3787100" cy="2840323"/>
           </a:xfrm>
           <a:prstGeom prst="rect">
             <a:avLst/>
@@ -5923,16 +5923,15 @@
           </p:cNvPicPr>
           <p:nvPr/>
         </p:nvPicPr>
-        <p:blipFill>
+        <p:blipFill rotWithShape="1">
           <a:blip r:embed="rId3"/>
-          <a:stretch>
-            <a:fillRect/>
-          </a:stretch>
+          <a:srcRect t="2490"/>
+          <a:stretch/>
         </p:blipFill>
         <p:spPr>
           <a:xfrm>
-            <a:off x="3509652" y="2457892"/>
-            <a:ext cx="3295461" cy="2471595"/>
+            <a:off x="1554918" y="3767145"/>
+            <a:ext cx="3787100" cy="2769601"/>
           </a:xfrm>
           <a:prstGeom prst="rect">
             <a:avLst/>
@@ -5953,7 +5952,7 @@
         </p:nvSpPr>
         <p:spPr>
           <a:xfrm>
-            <a:off x="1023551" y="3838060"/>
+            <a:off x="2151601" y="2561197"/>
             <a:ext cx="571012" cy="176972"/>
           </a:xfrm>
           <a:prstGeom prst="rect">
@@ -5988,7 +5987,7 @@
         </p:nvSpPr>
         <p:spPr>
           <a:xfrm>
-            <a:off x="1432813" y="3731050"/>
+            <a:off x="2606580" y="2369280"/>
             <a:ext cx="441634" cy="176972"/>
           </a:xfrm>
           <a:prstGeom prst="rect">
@@ -6023,7 +6022,7 @@
         </p:nvSpPr>
         <p:spPr>
           <a:xfrm>
-            <a:off x="1325037" y="2185494"/>
+            <a:off x="2760065" y="993542"/>
             <a:ext cx="1912220" cy="415498"/>
           </a:xfrm>
           <a:prstGeom prst="rect">
@@ -6066,7 +6065,7 @@
         </p:nvSpPr>
         <p:spPr>
           <a:xfrm>
-            <a:off x="1831371" y="3589686"/>
+            <a:off x="3083510" y="2208327"/>
             <a:ext cx="443871" cy="176972"/>
           </a:xfrm>
           <a:prstGeom prst="rect">
@@ -6101,7 +6100,7 @@
         </p:nvSpPr>
         <p:spPr>
           <a:xfrm>
-            <a:off x="2221066" y="3413574"/>
+            <a:off x="3538515" y="2090993"/>
             <a:ext cx="496447" cy="176972"/>
           </a:xfrm>
           <a:prstGeom prst="rect">
@@ -6136,7 +6135,7 @@
         </p:nvSpPr>
         <p:spPr>
           <a:xfrm>
-            <a:off x="2623568" y="3283220"/>
+            <a:off x="4012858" y="1960640"/>
             <a:ext cx="503043" cy="176972"/>
           </a:xfrm>
           <a:prstGeom prst="rect">
@@ -6171,7 +6170,7 @@
         </p:nvSpPr>
         <p:spPr>
           <a:xfrm>
-            <a:off x="3045159" y="3063227"/>
+            <a:off x="4467104" y="1727585"/>
             <a:ext cx="440101" cy="176972"/>
           </a:xfrm>
           <a:prstGeom prst="rect">
@@ -6206,8 +6205,8 @@
         </p:nvSpPr>
         <p:spPr>
           <a:xfrm>
-            <a:off x="989607" y="5982540"/>
-            <a:ext cx="5399934" cy="2800767"/>
+            <a:off x="989607" y="6785885"/>
+            <a:ext cx="5399934" cy="2708434"/>
           </a:xfrm>
           <a:prstGeom prst="rect">
             <a:avLst/>
@@ -6244,26 +6243,28 @@
             </a:r>
           </a:p>
           <a:p>
-            <a:r>
-              <a:rPr lang="en-US" sz="1100" dirty="0"/>
-              <a:t> </a:t>
-            </a:r>
-          </a:p>
-          <a:p>
             <a:pPr marL="171450" indent="-171450">
               <a:buFont typeface="Arial" panose="020B0604020202020204" pitchFamily="34" charset="0"/>
               <a:buChar char="•"/>
             </a:pPr>
+            <a:endParaRPr lang="en-US" sz="500" dirty="0"/>
+          </a:p>
+          <a:p>
+            <a:pPr marL="171450" indent="-171450">
+              <a:buFont typeface="Arial" panose="020B0604020202020204" pitchFamily="34" charset="0"/>
+              <a:buChar char="•"/>
+            </a:pPr>
             <a:r>
               <a:rPr lang="en-US" sz="1100" dirty="0"/>
               <a:t>As the discretionary General Fund relies heavily on property tax revenue (accounting for over three quarters of total discretionary revenue), it is vulnerable to any volatility in this revenue source. Impacts of relevant policy (such as Prop 19) should be closely monitored. </a:t>
             </a:r>
           </a:p>
           <a:p>
-            <a:r>
-              <a:rPr lang="en-US" sz="1100" dirty="0"/>
-              <a:t> </a:t>
-            </a:r>
+            <a:pPr marL="171450" indent="-171450">
+              <a:buFont typeface="Arial" panose="020B0604020202020204" pitchFamily="34" charset="0"/>
+              <a:buChar char="•"/>
+            </a:pPr>
+            <a:endParaRPr lang="en-US" sz="500" dirty="0"/>
           </a:p>
           <a:p>
             <a:pPr marL="171450" indent="-171450">
@@ -6428,7 +6429,7 @@
         </p:nvSpPr>
         <p:spPr>
           <a:xfrm>
-            <a:off x="3502824" y="3414477"/>
+            <a:off x="4931321" y="2340083"/>
             <a:ext cx="127731" cy="67156"/>
           </a:xfrm>
           <a:prstGeom prst="rect">
@@ -6482,8 +6483,8 @@
         </p:nvSpPr>
         <p:spPr>
           <a:xfrm>
-            <a:off x="5640021" y="3699762"/>
-            <a:ext cx="320040" cy="45719"/>
+            <a:off x="4008895" y="5118551"/>
+            <a:ext cx="362071" cy="73602"/>
           </a:xfrm>
           <a:prstGeom prst="rect">
             <a:avLst/>
@@ -6540,8 +6541,8 @@
         </p:nvSpPr>
         <p:spPr>
           <a:xfrm>
-            <a:off x="6034824" y="3540785"/>
-            <a:ext cx="320040" cy="73602"/>
+            <a:off x="4458568" y="4940692"/>
+            <a:ext cx="368151" cy="73602"/>
           </a:xfrm>
           <a:prstGeom prst="rect">
             <a:avLst/>
@@ -6598,8 +6599,8 @@
         </p:nvSpPr>
         <p:spPr>
           <a:xfrm>
-            <a:off x="5387145" y="4399497"/>
-            <a:ext cx="109728" cy="36576"/>
+            <a:off x="3713625" y="5925771"/>
+            <a:ext cx="128016" cy="45719"/>
           </a:xfrm>
           <a:prstGeom prst="rect">
             <a:avLst/>
@@ -6654,8 +6655,8 @@
         </p:nvCxnSpPr>
         <p:spPr>
           <a:xfrm>
-            <a:off x="5248477" y="3849659"/>
-            <a:ext cx="307421" cy="1"/>
+            <a:off x="3554117" y="5295216"/>
+            <a:ext cx="356616" cy="0"/>
           </a:xfrm>
           <a:prstGeom prst="line">
             <a:avLst/>
@@ -6695,7 +6696,7 @@
         </p:nvSpPr>
         <p:spPr>
           <a:xfrm>
-            <a:off x="3925389" y="2226274"/>
+            <a:off x="2220635" y="3879249"/>
             <a:ext cx="2831014" cy="253916"/>
           </a:xfrm>
           <a:prstGeom prst="rect">
@@ -6731,7 +6732,7 @@
         </p:nvSpPr>
         <p:spPr>
           <a:xfrm>
-            <a:off x="4383083" y="3921712"/>
+            <a:off x="2596114" y="5396297"/>
             <a:ext cx="440101" cy="176972"/>
           </a:xfrm>
           <a:prstGeom prst="rect">
@@ -6748,6 +6749,41 @@
             <a:r>
               <a:rPr lang="en-US" sz="550" dirty="0"/>
               <a:t>$3.68M</a:t>
+            </a:r>
+          </a:p>
+        </p:txBody>
+      </p:sp>
+      <p:sp>
+        <p:nvSpPr>
+          <p:cNvPr id="63" name="TextBox 62">
+            <a:extLst>
+              <a:ext uri="{FF2B5EF4-FFF2-40B4-BE49-F238E27FC236}">
+                <a16:creationId xmlns:a16="http://schemas.microsoft.com/office/drawing/2014/main" id="{775D1599-2538-7D4E-9174-B3C132C65BD2}"/>
+              </a:ext>
+            </a:extLst>
+          </p:cNvPr>
+          <p:cNvSpPr txBox="1"/>
+          <p:nvPr/>
+        </p:nvSpPr>
+        <p:spPr>
+          <a:xfrm>
+            <a:off x="3504484" y="5271531"/>
+            <a:ext cx="514269" cy="176972"/>
+          </a:xfrm>
+          <a:prstGeom prst="rect">
+            <a:avLst/>
+          </a:prstGeom>
+          <a:noFill/>
+        </p:spPr>
+        <p:txBody>
+          <a:bodyPr wrap="square" rtlCol="0">
+            <a:spAutoFit/>
+          </a:bodyPr>
+          <a:lstStyle/>
+          <a:p>
+            <a:r>
+              <a:rPr lang="en-US" sz="550" dirty="0"/>
+              <a:t>($0.88)M</a:t>
             </a:r>
           </a:p>
         </p:txBody>
@@ -6766,7 +6802,7 @@
         </p:nvSpPr>
         <p:spPr>
           <a:xfrm>
-            <a:off x="4811730" y="3799246"/>
+            <a:off x="3087383" y="5249749"/>
             <a:ext cx="440101" cy="176972"/>
           </a:xfrm>
           <a:prstGeom prst="rect">
@@ -6783,41 +6819,6 @@
             <a:r>
               <a:rPr lang="en-US" sz="550" dirty="0"/>
               <a:t>$2.71M</a:t>
-            </a:r>
-          </a:p>
-        </p:txBody>
-      </p:sp>
-      <p:sp>
-        <p:nvSpPr>
-          <p:cNvPr id="63" name="TextBox 62">
-            <a:extLst>
-              <a:ext uri="{FF2B5EF4-FFF2-40B4-BE49-F238E27FC236}">
-                <a16:creationId xmlns:a16="http://schemas.microsoft.com/office/drawing/2014/main" id="{775D1599-2538-7D4E-9174-B3C132C65BD2}"/>
-              </a:ext>
-            </a:extLst>
-          </p:cNvPr>
-          <p:cNvSpPr txBox="1"/>
-          <p:nvPr/>
-        </p:nvSpPr>
-        <p:spPr>
-          <a:xfrm>
-            <a:off x="5207888" y="3817169"/>
-            <a:ext cx="514269" cy="176972"/>
-          </a:xfrm>
-          <a:prstGeom prst="rect">
-            <a:avLst/>
-          </a:prstGeom>
-          <a:noFill/>
-        </p:spPr>
-        <p:txBody>
-          <a:bodyPr wrap="square" rtlCol="0">
-            <a:spAutoFit/>
-          </a:bodyPr>
-          <a:lstStyle/>
-          <a:p>
-            <a:r>
-              <a:rPr lang="en-US" sz="550" dirty="0"/>
-              <a:t>($0.88)M</a:t>
             </a:r>
           </a:p>
         </p:txBody>
@@ -6836,7 +6837,7 @@
         </p:nvSpPr>
         <p:spPr>
           <a:xfrm>
-            <a:off x="5613897" y="3715966"/>
+            <a:off x="3962112" y="5169979"/>
             <a:ext cx="514269" cy="176972"/>
           </a:xfrm>
           <a:prstGeom prst="rect">
@@ -6871,7 +6872,7 @@
         </p:nvSpPr>
         <p:spPr>
           <a:xfrm>
-            <a:off x="5993126" y="3586410"/>
+            <a:off x="4447637" y="5009802"/>
             <a:ext cx="514269" cy="176972"/>
           </a:xfrm>
           <a:prstGeom prst="rect">
@@ -6906,7 +6907,7 @@
         </p:nvSpPr>
         <p:spPr>
           <a:xfrm>
-            <a:off x="862382" y="1733034"/>
+            <a:off x="1051154" y="1196902"/>
             <a:ext cx="405880" cy="230832"/>
           </a:xfrm>
           <a:prstGeom prst="rect">
@@ -6941,7 +6942,7 @@
         </p:nvSpPr>
         <p:spPr>
           <a:xfrm>
-            <a:off x="3924546" y="1715584"/>
+            <a:off x="1112529" y="3995642"/>
             <a:ext cx="405880" cy="230832"/>
           </a:xfrm>
           <a:prstGeom prst="rect">
@@ -6959,6 +6960,50 @@
               <a:rPr lang="en-US" sz="900" dirty="0"/>
               <a:t>Fig.4</a:t>
             </a:r>
+          </a:p>
+        </p:txBody>
+      </p:sp>
+      <p:sp>
+        <p:nvSpPr>
+          <p:cNvPr id="27" name="TextBox 26">
+            <a:extLst>
+              <a:ext uri="{FF2B5EF4-FFF2-40B4-BE49-F238E27FC236}">
+                <a16:creationId xmlns:a16="http://schemas.microsoft.com/office/drawing/2014/main" id="{0D790BEE-19DB-A449-B7AF-BF58B48B8455}"/>
+              </a:ext>
+            </a:extLst>
+          </p:cNvPr>
+          <p:cNvSpPr txBox="1"/>
+          <p:nvPr/>
+        </p:nvSpPr>
+        <p:spPr>
+          <a:xfrm>
+            <a:off x="1940359" y="6423754"/>
+            <a:ext cx="3278252" cy="369332"/>
+          </a:xfrm>
+          <a:prstGeom prst="rect">
+            <a:avLst/>
+          </a:prstGeom>
+          <a:noFill/>
+        </p:spPr>
+        <p:txBody>
+          <a:bodyPr wrap="square" rtlCol="0">
+            <a:spAutoFit/>
+          </a:bodyPr>
+          <a:lstStyle/>
+          <a:p>
+            <a:r>
+              <a:rPr lang="en-US" sz="600" dirty="0"/>
+              <a:t>Fig.4. This plot demonstrates the relationship between the top three discretionary revenue sources  </a:t>
+            </a:r>
+          </a:p>
+          <a:p>
+            <a:r>
+              <a:rPr lang="en-US" sz="600" dirty="0"/>
+              <a:t>           and General Fund expenditure. It does not reflect the actual financial position of the account </a:t>
+            </a:r>
+          </a:p>
+          <a:p>
+            <a:endParaRPr lang="en-US" sz="600" dirty="0"/>
           </a:p>
         </p:txBody>
       </p:sp>
